--- a/thesis/photobooth_sketch_sideview.pptx
+++ b/thesis/photobooth_sketch_sideview.pptx
@@ -104,6 +104,11 @@
       </a:defRPr>
     </a:lvl9pPr>
   </p:defaultTextStyle>
+  <p:extLst>
+    <p:ext uri="{EFAFB233-063F-42B5-8137-9DF3F51BA10A}">
+      <p15:sldGuideLst xmlns:p15="http://schemas.microsoft.com/office/powerpoint/2012/main"/>
+    </p:ext>
+  </p:extLst>
 </p:presentation>
 </file>
 
@@ -238,7 +243,7 @@
           <a:p>
             <a:fld id="{511754FD-318D-4211-B50E-07B83FB795D7}" type="datetimeFigureOut">
               <a:rPr lang="de-DE" smtClean="0"/>
-              <a:t>28.08.2016</a:t>
+              <a:t>05.09.2016</a:t>
             </a:fld>
             <a:endParaRPr lang="de-DE"/>
           </a:p>
@@ -408,7 +413,7 @@
           <a:p>
             <a:fld id="{511754FD-318D-4211-B50E-07B83FB795D7}" type="datetimeFigureOut">
               <a:rPr lang="de-DE" smtClean="0"/>
-              <a:t>28.08.2016</a:t>
+              <a:t>05.09.2016</a:t>
             </a:fld>
             <a:endParaRPr lang="de-DE"/>
           </a:p>
@@ -588,7 +593,7 @@
           <a:p>
             <a:fld id="{511754FD-318D-4211-B50E-07B83FB795D7}" type="datetimeFigureOut">
               <a:rPr lang="de-DE" smtClean="0"/>
-              <a:t>28.08.2016</a:t>
+              <a:t>05.09.2016</a:t>
             </a:fld>
             <a:endParaRPr lang="de-DE"/>
           </a:p>
@@ -758,7 +763,7 @@
           <a:p>
             <a:fld id="{511754FD-318D-4211-B50E-07B83FB795D7}" type="datetimeFigureOut">
               <a:rPr lang="de-DE" smtClean="0"/>
-              <a:t>28.08.2016</a:t>
+              <a:t>05.09.2016</a:t>
             </a:fld>
             <a:endParaRPr lang="de-DE"/>
           </a:p>
@@ -1002,7 +1007,7 @@
           <a:p>
             <a:fld id="{511754FD-318D-4211-B50E-07B83FB795D7}" type="datetimeFigureOut">
               <a:rPr lang="de-DE" smtClean="0"/>
-              <a:t>28.08.2016</a:t>
+              <a:t>05.09.2016</a:t>
             </a:fld>
             <a:endParaRPr lang="de-DE"/>
           </a:p>
@@ -1234,7 +1239,7 @@
           <a:p>
             <a:fld id="{511754FD-318D-4211-B50E-07B83FB795D7}" type="datetimeFigureOut">
               <a:rPr lang="de-DE" smtClean="0"/>
-              <a:t>28.08.2016</a:t>
+              <a:t>05.09.2016</a:t>
             </a:fld>
             <a:endParaRPr lang="de-DE"/>
           </a:p>
@@ -1601,7 +1606,7 @@
           <a:p>
             <a:fld id="{511754FD-318D-4211-B50E-07B83FB795D7}" type="datetimeFigureOut">
               <a:rPr lang="de-DE" smtClean="0"/>
-              <a:t>28.08.2016</a:t>
+              <a:t>05.09.2016</a:t>
             </a:fld>
             <a:endParaRPr lang="de-DE"/>
           </a:p>
@@ -1719,7 +1724,7 @@
           <a:p>
             <a:fld id="{511754FD-318D-4211-B50E-07B83FB795D7}" type="datetimeFigureOut">
               <a:rPr lang="de-DE" smtClean="0"/>
-              <a:t>28.08.2016</a:t>
+              <a:t>05.09.2016</a:t>
             </a:fld>
             <a:endParaRPr lang="de-DE"/>
           </a:p>
@@ -1814,7 +1819,7 @@
           <a:p>
             <a:fld id="{511754FD-318D-4211-B50E-07B83FB795D7}" type="datetimeFigureOut">
               <a:rPr lang="de-DE" smtClean="0"/>
-              <a:t>28.08.2016</a:t>
+              <a:t>05.09.2016</a:t>
             </a:fld>
             <a:endParaRPr lang="de-DE"/>
           </a:p>
@@ -2091,7 +2096,7 @@
           <a:p>
             <a:fld id="{511754FD-318D-4211-B50E-07B83FB795D7}" type="datetimeFigureOut">
               <a:rPr lang="de-DE" smtClean="0"/>
-              <a:t>28.08.2016</a:t>
+              <a:t>05.09.2016</a:t>
             </a:fld>
             <a:endParaRPr lang="de-DE"/>
           </a:p>
@@ -2348,7 +2353,7 @@
           <a:p>
             <a:fld id="{511754FD-318D-4211-B50E-07B83FB795D7}" type="datetimeFigureOut">
               <a:rPr lang="de-DE" smtClean="0"/>
-              <a:t>28.08.2016</a:t>
+              <a:t>05.09.2016</a:t>
             </a:fld>
             <a:endParaRPr lang="de-DE"/>
           </a:p>
@@ -2561,7 +2566,7 @@
           <a:p>
             <a:fld id="{511754FD-318D-4211-B50E-07B83FB795D7}" type="datetimeFigureOut">
               <a:rPr lang="de-DE" smtClean="0"/>
-              <a:t>28.08.2016</a:t>
+              <a:t>05.09.2016</a:t>
             </a:fld>
             <a:endParaRPr lang="de-DE"/>
           </a:p>
@@ -3147,10 +3152,10 @@
           <a:lstStyle/>
           <a:p>
             <a:r>
-              <a:rPr lang="de-DE" sz="1101" dirty="0">
+              <a:rPr lang="de-DE" sz="1101" dirty="0" smtClean="0">
                 <a:latin typeface="Palatino Linotype" panose="02040502050505030304" pitchFamily="18" charset="0"/>
               </a:rPr>
-              <a:t>550</a:t>
+              <a:t>500</a:t>
             </a:r>
             <a:endParaRPr lang="de-DE" sz="1101" dirty="0">
               <a:latin typeface="Palatino Linotype" panose="02040502050505030304" pitchFamily="18" charset="0"/>
@@ -3255,10 +3260,10 @@
           <a:lstStyle/>
           <a:p>
             <a:r>
-              <a:rPr lang="de-DE" sz="1101" dirty="0">
+              <a:rPr lang="de-DE" sz="1101" dirty="0" smtClean="0">
                 <a:latin typeface="Palatino Linotype" panose="02040502050505030304" pitchFamily="18" charset="0"/>
               </a:rPr>
-              <a:t>120</a:t>
+              <a:t>128</a:t>
             </a:r>
             <a:endParaRPr lang="de-DE" sz="1101" dirty="0">
               <a:latin typeface="Palatino Linotype" panose="02040502050505030304" pitchFamily="18" charset="0"/>
@@ -3416,7 +3421,7 @@
         </p:nvSpPr>
         <p:spPr>
           <a:xfrm>
-            <a:off x="4352642" y="393257"/>
+            <a:off x="4377134" y="393257"/>
             <a:ext cx="541097" cy="261738"/>
           </a:xfrm>
           <a:prstGeom prst="rect">
@@ -3434,14 +3439,11 @@
           <a:lstStyle/>
           <a:p>
             <a:r>
-              <a:rPr lang="de-DE" sz="1101" dirty="0">
+              <a:rPr lang="de-DE" sz="1101" dirty="0" smtClean="0">
                 <a:latin typeface="Palatino Linotype" panose="02040502050505030304" pitchFamily="18" charset="0"/>
               </a:rPr>
-              <a:t>550</a:t>
-            </a:r>
-            <a:endParaRPr lang="de-DE" sz="1101" dirty="0">
-              <a:latin typeface="Palatino Linotype" panose="02040502050505030304" pitchFamily="18" charset="0"/>
-            </a:endParaRPr>
+              <a:t>500</a:t>
+            </a:r>
           </a:p>
         </p:txBody>
       </p:sp>
@@ -3754,10 +3756,10 @@
           <a:lstStyle/>
           <a:p>
             <a:r>
-              <a:rPr lang="de-DE" sz="1101" dirty="0">
+              <a:rPr lang="de-DE" sz="1101" dirty="0" smtClean="0">
                 <a:latin typeface="Palatino Linotype" panose="02040502050505030304" pitchFamily="18" charset="0"/>
               </a:rPr>
-              <a:t>315</a:t>
+              <a:t>237</a:t>
             </a:r>
             <a:endParaRPr lang="de-DE" sz="1101" dirty="0">
               <a:latin typeface="Palatino Linotype" panose="02040502050505030304" pitchFamily="18" charset="0"/>
@@ -3832,9 +3834,6 @@
               </a:rPr>
               <a:t>Maße in mm</a:t>
             </a:r>
-            <a:endParaRPr lang="de-DE" sz="1400" dirty="0">
-              <a:latin typeface="Palatino Linotype" panose="02040502050505030304" pitchFamily="18" charset="0"/>
-            </a:endParaRPr>
           </a:p>
         </p:txBody>
       </p:sp>
@@ -3881,7 +3880,7 @@
         </p:nvSpPr>
         <p:spPr>
           <a:xfrm>
-            <a:off x="5571753" y="2276748"/>
+            <a:off x="5563589" y="2276748"/>
             <a:ext cx="972449" cy="360000"/>
           </a:xfrm>
           <a:prstGeom prst="corner">
@@ -3932,7 +3931,7 @@
         </p:nvSpPr>
         <p:spPr>
           <a:xfrm flipV="1">
-            <a:off x="5573902" y="1574028"/>
+            <a:off x="5565738" y="1574028"/>
             <a:ext cx="972449" cy="360000"/>
           </a:xfrm>
           <a:prstGeom prst="corner">
@@ -4113,9 +4112,6 @@
               </a:rPr>
               <a:t>30</a:t>
             </a:r>
-            <a:endParaRPr lang="de-DE" sz="1101" dirty="0">
-              <a:latin typeface="Palatino Linotype" panose="02040502050505030304" pitchFamily="18" charset="0"/>
-            </a:endParaRPr>
           </a:p>
         </p:txBody>
       </p:sp>
@@ -4324,6 +4320,185 @@
               </a:rPr>
               <a:t>150</a:t>
             </a:r>
+          </a:p>
+        </p:txBody>
+      </p:sp>
+      <p:cxnSp>
+        <p:nvCxnSpPr>
+          <p:cNvPr id="3" name="Gerader Verbinder 2"/>
+          <p:cNvCxnSpPr>
+            <a:stCxn id="51" idx="3"/>
+            <a:endCxn id="51" idx="1"/>
+          </p:cNvCxnSpPr>
+          <p:nvPr/>
+        </p:nvCxnSpPr>
+        <p:spPr>
+          <a:xfrm flipH="1">
+            <a:off x="2589697" y="3339764"/>
+            <a:ext cx="3960000" cy="0"/>
+          </a:xfrm>
+          <a:prstGeom prst="line">
+            <a:avLst/>
+          </a:prstGeom>
+          <a:ln w="25400">
+            <a:solidFill>
+              <a:schemeClr val="tx1"/>
+            </a:solidFill>
+          </a:ln>
+        </p:spPr>
+        <p:style>
+          <a:lnRef idx="1">
+            <a:schemeClr val="accent1"/>
+          </a:lnRef>
+          <a:fillRef idx="0">
+            <a:schemeClr val="accent1"/>
+          </a:fillRef>
+          <a:effectRef idx="0">
+            <a:schemeClr val="accent1"/>
+          </a:effectRef>
+          <a:fontRef idx="minor">
+            <a:schemeClr val="tx1"/>
+          </a:fontRef>
+        </p:style>
+      </p:cxnSp>
+      <p:cxnSp>
+        <p:nvCxnSpPr>
+          <p:cNvPr id="43" name="Gerader Verbinder 42"/>
+          <p:cNvCxnSpPr/>
+          <p:nvPr/>
+        </p:nvCxnSpPr>
+        <p:spPr>
+          <a:xfrm flipH="1">
+            <a:off x="6684854" y="3358512"/>
+            <a:ext cx="360000" cy="0"/>
+          </a:xfrm>
+          <a:prstGeom prst="line">
+            <a:avLst/>
+          </a:prstGeom>
+          <a:ln>
+            <a:solidFill>
+              <a:schemeClr val="tx1"/>
+            </a:solidFill>
+          </a:ln>
+        </p:spPr>
+        <p:style>
+          <a:lnRef idx="1">
+            <a:schemeClr val="accent1"/>
+          </a:lnRef>
+          <a:fillRef idx="0">
+            <a:schemeClr val="accent1"/>
+          </a:fillRef>
+          <a:effectRef idx="0">
+            <a:schemeClr val="accent1"/>
+          </a:effectRef>
+          <a:fontRef idx="minor">
+            <a:schemeClr val="tx1"/>
+          </a:fontRef>
+        </p:style>
+      </p:cxnSp>
+      <p:cxnSp>
+        <p:nvCxnSpPr>
+          <p:cNvPr id="7" name="Gerade Verbindung mit Pfeil 6"/>
+          <p:cNvCxnSpPr/>
+          <p:nvPr/>
+        </p:nvCxnSpPr>
+        <p:spPr>
+          <a:xfrm>
+            <a:off x="6866165" y="4539346"/>
+            <a:ext cx="0" cy="792000"/>
+          </a:xfrm>
+          <a:prstGeom prst="straightConnector1">
+            <a:avLst/>
+          </a:prstGeom>
+          <a:ln>
+            <a:solidFill>
+              <a:schemeClr val="tx1"/>
+            </a:solidFill>
+            <a:tailEnd type="triangle"/>
+          </a:ln>
+        </p:spPr>
+        <p:style>
+          <a:lnRef idx="1">
+            <a:schemeClr val="accent1"/>
+          </a:lnRef>
+          <a:fillRef idx="0">
+            <a:schemeClr val="accent1"/>
+          </a:fillRef>
+          <a:effectRef idx="0">
+            <a:schemeClr val="accent1"/>
+          </a:effectRef>
+          <a:fontRef idx="minor">
+            <a:schemeClr val="tx1"/>
+          </a:fontRef>
+        </p:style>
+      </p:cxnSp>
+      <p:cxnSp>
+        <p:nvCxnSpPr>
+          <p:cNvPr id="46" name="Gerade Verbindung mit Pfeil 45"/>
+          <p:cNvCxnSpPr/>
+          <p:nvPr/>
+        </p:nvCxnSpPr>
+        <p:spPr>
+          <a:xfrm rot="10800000">
+            <a:off x="6863445" y="3352815"/>
+            <a:ext cx="0" cy="792000"/>
+          </a:xfrm>
+          <a:prstGeom prst="straightConnector1">
+            <a:avLst/>
+          </a:prstGeom>
+          <a:ln>
+            <a:solidFill>
+              <a:schemeClr val="tx1"/>
+            </a:solidFill>
+            <a:tailEnd type="triangle"/>
+          </a:ln>
+        </p:spPr>
+        <p:style>
+          <a:lnRef idx="1">
+            <a:schemeClr val="accent1"/>
+          </a:lnRef>
+          <a:fillRef idx="0">
+            <a:schemeClr val="accent1"/>
+          </a:fillRef>
+          <a:effectRef idx="0">
+            <a:schemeClr val="accent1"/>
+          </a:effectRef>
+          <a:fontRef idx="minor">
+            <a:schemeClr val="tx1"/>
+          </a:fontRef>
+        </p:style>
+      </p:cxnSp>
+      <p:sp>
+        <p:nvSpPr>
+          <p:cNvPr id="8" name="Textfeld 7"/>
+          <p:cNvSpPr txBox="1"/>
+          <p:nvPr/>
+        </p:nvSpPr>
+        <p:spPr>
+          <a:xfrm rot="-5400000">
+            <a:off x="6675323" y="4189448"/>
+            <a:ext cx="413665" cy="261610"/>
+          </a:xfrm>
+          <a:prstGeom prst="rect">
+            <a:avLst/>
+          </a:prstGeom>
+          <a:noFill/>
+        </p:spPr>
+        <p:txBody>
+          <a:bodyPr wrap="square" rtlCol="0">
+            <a:spAutoFit/>
+          </a:bodyPr>
+          <a:lstStyle/>
+          <a:p>
+            <a:r>
+              <a:rPr lang="de-DE" sz="1100" dirty="0" smtClean="0">
+                <a:latin typeface="Palatino Linotype" panose="02040502050505030304" pitchFamily="18" charset="0"/>
+              </a:rPr>
+              <a:t>197</a:t>
+            </a:r>
+            <a:endParaRPr lang="de-DE" sz="1100" dirty="0">
+              <a:latin typeface="Palatino Linotype" panose="02040502050505030304" pitchFamily="18" charset="0"/>
+            </a:endParaRPr>
           </a:p>
         </p:txBody>
       </p:sp>
